--- a/project_B (12.14)_수정1.pptx
+++ b/project_B (12.14)_수정1.pptx
@@ -12797,7 +12797,7 @@
               <a:rPr lang="ko-KR" altLang="en-US" sz="1400" dirty="0">
                 <a:latin typeface="+mn-ea"/>
               </a:rPr>
-              <a:t>원 거래됨</a:t>
+              <a:t>원이 거래됨</a:t>
             </a:r>
             <a:endParaRPr lang="en-US" altLang="ko-KR" sz="1400" dirty="0">
               <a:latin typeface="+mn-ea"/>
@@ -13386,6 +13386,19 @@
               </a:rPr>
               <a:t>, </a:t>
             </a:r>
+          </a:p>
+          <a:p>
+            <a:pPr lvl="1">
+              <a:lnSpc>
+                <a:spcPct val="150000"/>
+              </a:lnSpc>
+            </a:pPr>
+            <a:r>
+              <a:rPr lang="en-US" altLang="ko-KR" sz="1400" dirty="0">
+                <a:latin typeface="+mn-ea"/>
+              </a:rPr>
+              <a:t>     </a:t>
+            </a:r>
             <a:r>
               <a:rPr lang="ko-KR" altLang="en-US" sz="1400" dirty="0">
                 <a:latin typeface="+mn-ea"/>
@@ -13414,7 +13427,7 @@
               <a:rPr lang="ko-KR" altLang="en-US" sz="1400" dirty="0">
                 <a:latin typeface="+mn-ea"/>
               </a:rPr>
-              <a:t>원 거래됨</a:t>
+              <a:t>원이 거래됨</a:t>
             </a:r>
             <a:endParaRPr lang="en-US" altLang="ko-KR" sz="1400" dirty="0">
               <a:latin typeface="+mn-ea"/>
@@ -27434,7 +27447,7 @@
                 </a:solidFill>
                 <a:latin typeface="+mn-ea"/>
               </a:rPr>
-              <a:t>월 데이터인 것을 봤을 때 예비고생으로 학원에 많은 금액을 쓴 것으로 추측됨</a:t>
+              <a:t>월 데이터인 것을  예비고생으로 학원에 많은 금액을 쓴 것으로 추측됨</a:t>
             </a:r>
             <a:endParaRPr lang="en-US" altLang="ko-KR" sz="1400" kern="0" dirty="0">
               <a:solidFill>
